--- a/cafe-yuta-ebara/プレゼンテーション.pptx
+++ b/cafe-yuta-ebara/プレゼンテーション.pptx
@@ -7311,7 +7311,7 @@
         </p:nvSpPr>
         <p:spPr>
           <a:xfrm>
-            <a:off x="2380592" y="244366"/>
+            <a:off x="2151992" y="867103"/>
             <a:ext cx="6968360" cy="922282"/>
           </a:xfrm>
           <a:prstGeom prst="rect">
@@ -8055,6 +8055,44 @@
           </a:p>
         </p:txBody>
       </p:sp>
+      <p:sp>
+        <p:nvSpPr>
+          <p:cNvPr id="14" name="テキスト ボックス 13"/>
+          <p:cNvSpPr txBox="1"/>
+          <p:nvPr/>
+        </p:nvSpPr>
+        <p:spPr>
+          <a:xfrm>
+            <a:off x="953814" y="86736"/>
+            <a:ext cx="2530365" cy="830997"/>
+          </a:xfrm>
+          <a:prstGeom prst="rect">
+            <a:avLst/>
+          </a:prstGeom>
+          <a:noFill/>
+        </p:spPr>
+        <p:txBody>
+          <a:bodyPr wrap="square" rtlCol="0">
+            <a:spAutoFit/>
+          </a:bodyPr>
+          <a:lstStyle/>
+          <a:p>
+            <a:r>
+              <a:rPr kumimoji="1" lang="ja-JP" altLang="en-US" sz="4800" dirty="0" smtClean="0">
+                <a:solidFill>
+                  <a:srgbClr val="92D050"/>
+                </a:solidFill>
+              </a:rPr>
+              <a:t>設計図</a:t>
+            </a:r>
+            <a:endParaRPr kumimoji="1" lang="ja-JP" altLang="en-US" sz="4800" dirty="0">
+              <a:solidFill>
+                <a:srgbClr val="92D050"/>
+              </a:solidFill>
+            </a:endParaRPr>
+          </a:p>
+        </p:txBody>
+      </p:sp>
     </p:spTree>
     <p:extLst>
       <p:ext uri="{BB962C8B-B14F-4D97-AF65-F5344CB8AC3E}">
@@ -8112,6 +8150,8 @@
                 <a:solidFill>
                   <a:srgbClr val="92D050"/>
                 </a:solidFill>
+                <a:latin typeface="HGP創英角ﾎﾟｯﾌﾟ体" panose="040B0A00000000000000" pitchFamily="50" charset="-128"/>
+                <a:ea typeface="HGP創英角ﾎﾟｯﾌﾟ体" panose="040B0A00000000000000" pitchFamily="50" charset="-128"/>
               </a:rPr>
               <a:t>チラシ</a:t>
             </a:r>
@@ -8119,6 +8159,8 @@
               <a:solidFill>
                 <a:srgbClr val="92D050"/>
               </a:solidFill>
+              <a:latin typeface="HGP創英角ﾎﾟｯﾌﾟ体" panose="040B0A00000000000000" pitchFamily="50" charset="-128"/>
+              <a:ea typeface="HGP創英角ﾎﾟｯﾌﾟ体" panose="040B0A00000000000000" pitchFamily="50" charset="-128"/>
             </a:endParaRPr>
           </a:p>
         </p:txBody>
